--- a/05 Final Report/Project 2 - Final Report.pptx
+++ b/05 Final Report/Project 2 - Final Report.pptx
@@ -4225,7 +4225,7 @@
                 <a:ea typeface="Calibri" panose="020F0502020204030204" pitchFamily="34" charset="0"/>
                 <a:cs typeface="Times New Roman" panose="02020603050405020304" pitchFamily="18" charset="0"/>
               </a:rPr>
-              <a:t>The results obtained were the best to date at 44% accuracy; a 4% improvement over the previous best model.</a:t>
+              <a:t>The results obtained were a slight decline from the 40% accuracy obtained in Round 2.</a:t>
             </a:r>
           </a:p>
         </p:txBody>
@@ -4245,7 +4245,7 @@
           <p:nvPr>
             <p:extLst>
               <p:ext uri="{D42A27DB-BD31-4B8C-83A1-F6EECF244321}">
-                <p14:modId xmlns:p14="http://schemas.microsoft.com/office/powerpoint/2010/main" val="3281809385"/>
+                <p14:modId xmlns:p14="http://schemas.microsoft.com/office/powerpoint/2010/main" val="3197729365"/>
               </p:ext>
             </p:extLst>
           </p:nvPr>
@@ -4690,7 +4690,7 @@
                           <a:ea typeface="Calibri" panose="020F0502020204030204" pitchFamily="34" charset="0"/>
                           <a:cs typeface="Times New Roman" panose="02020603050405020304" pitchFamily="18" charset="0"/>
                         </a:rPr>
-                        <a:t>44%</a:t>
+                        <a:t>39%</a:t>
                       </a:r>
                     </a:p>
                   </a:txBody>
@@ -4754,7 +4754,7 @@
                           <a:ea typeface="Calibri" panose="020F0502020204030204" pitchFamily="34" charset="0"/>
                           <a:cs typeface="Times New Roman" panose="02020603050405020304" pitchFamily="18" charset="0"/>
                         </a:rPr>
-                        <a:t>36%</a:t>
+                        <a:t>39%</a:t>
                       </a:r>
                     </a:p>
                   </a:txBody>
@@ -4818,7 +4818,7 @@
                           <a:ea typeface="Calibri" panose="020F0502020204030204" pitchFamily="34" charset="0"/>
                           <a:cs typeface="Times New Roman" panose="02020603050405020304" pitchFamily="18" charset="0"/>
                         </a:rPr>
-                        <a:t>44%</a:t>
+                        <a:t>39%</a:t>
                       </a:r>
                     </a:p>
                   </a:txBody>
@@ -7239,7 +7239,7 @@
                 <a:ea typeface="Times New Roman" panose="02020603050405020304" pitchFamily="18" charset="0"/>
                 <a:cs typeface="Times New Roman" panose="02020603050405020304" pitchFamily="18" charset="0"/>
               </a:rPr>
-              <a:t>The best results were obtained by Scaling two models (one NLP and one </a:t>
+              <a:t>The best results were obtained by Stacking two models (one NLP and one </a:t>
             </a:r>
             <a:r>
               <a:rPr lang="en-US" altLang="en-US" dirty="0" err="1">
@@ -10208,7 +10208,7 @@
         </p:nvSpPr>
         <p:spPr>
           <a:xfrm>
-            <a:off x="596951" y="1162200"/>
+            <a:off x="596951" y="817430"/>
             <a:ext cx="625492" cy="307777"/>
           </a:xfrm>
           <a:prstGeom prst="rect">
@@ -10235,41 +10235,6 @@
           </a:p>
         </p:txBody>
       </p:sp>
-      <p:pic>
-        <p:nvPicPr>
-          <p:cNvPr id="10" name="Picture 9">
-            <a:extLst>
-              <a:ext uri="{FF2B5EF4-FFF2-40B4-BE49-F238E27FC236}">
-                <a16:creationId xmlns:a16="http://schemas.microsoft.com/office/drawing/2014/main" id="{849CBBF4-6172-40FE-BD38-DBC1624E4617}"/>
-              </a:ext>
-            </a:extLst>
-          </p:cNvPr>
-          <p:cNvPicPr/>
-          <p:nvPr/>
-        </p:nvPicPr>
-        <p:blipFill>
-          <a:blip r:embed="rId3"/>
-          <a:stretch>
-            <a:fillRect/>
-          </a:stretch>
-        </p:blipFill>
-        <p:spPr>
-          <a:xfrm>
-            <a:off x="2442073" y="1541068"/>
-            <a:ext cx="3449844" cy="2363341"/>
-          </a:xfrm>
-          <a:prstGeom prst="rect">
-            <a:avLst/>
-          </a:prstGeom>
-          <a:ln>
-            <a:solidFill>
-              <a:schemeClr val="bg1">
-                <a:lumMod val="50000"/>
-              </a:schemeClr>
-            </a:solidFill>
-          </a:ln>
-        </p:spPr>
-      </p:pic>
       <p:sp>
         <p:nvSpPr>
           <p:cNvPr id="3" name="TextBox 2">
@@ -10333,7 +10298,7 @@
         </p:nvSpPr>
         <p:spPr>
           <a:xfrm>
-            <a:off x="3940169" y="1162200"/>
+            <a:off x="7305975" y="791807"/>
             <a:ext cx="468398" cy="307777"/>
           </a:xfrm>
           <a:prstGeom prst="rect">
@@ -10342,7 +10307,7 @@
           <a:noFill/>
         </p:spPr>
         <p:txBody>
-          <a:bodyPr wrap="none" rtlCol="0">
+          <a:bodyPr wrap="square" rtlCol="0">
             <a:spAutoFit/>
           </a:bodyPr>
           <a:lstStyle/>
@@ -10374,7 +10339,7 @@
         </p:nvSpPr>
         <p:spPr>
           <a:xfrm>
-            <a:off x="7070635" y="1162200"/>
+            <a:off x="3613084" y="817430"/>
             <a:ext cx="1596912" cy="307777"/>
           </a:xfrm>
           <a:prstGeom prst="rect">
@@ -10417,7 +10382,7 @@
         </p:nvCxnSpPr>
         <p:spPr>
           <a:xfrm>
-            <a:off x="2274074" y="1089328"/>
+            <a:off x="2671309" y="744558"/>
             <a:ext cx="0" cy="2973783"/>
           </a:xfrm>
           <a:prstGeom prst="line">
@@ -10462,7 +10427,7 @@
         </p:nvCxnSpPr>
         <p:spPr>
           <a:xfrm>
-            <a:off x="6076123" y="1089328"/>
+            <a:off x="5716363" y="744558"/>
             <a:ext cx="0" cy="2971800"/>
           </a:xfrm>
           <a:prstGeom prst="line">
@@ -10507,7 +10472,7 @@
         </p:nvCxnSpPr>
         <p:spPr>
           <a:xfrm flipH="1" flipV="1">
-            <a:off x="279318" y="1411268"/>
+            <a:off x="279318" y="1066498"/>
             <a:ext cx="8388230" cy="0"/>
           </a:xfrm>
           <a:prstGeom prst="line">
@@ -10536,104 +10501,96 @@
           </a:fontRef>
         </p:style>
       </p:cxnSp>
-      <p:sp>
-        <p:nvSpPr>
-          <p:cNvPr id="2" name="TextBox 1">
+      <p:pic>
+        <p:nvPicPr>
+          <p:cNvPr id="4" name="Picture 3">
             <a:extLst>
               <a:ext uri="{FF2B5EF4-FFF2-40B4-BE49-F238E27FC236}">
-                <a16:creationId xmlns:a16="http://schemas.microsoft.com/office/drawing/2014/main" id="{E8F603DA-2A5F-4DD1-8D56-A87DCED27326}"/>
+                <a16:creationId xmlns:a16="http://schemas.microsoft.com/office/drawing/2014/main" id="{99E09452-7B35-43AA-948A-A315A13D71F5}"/>
               </a:ext>
             </a:extLst>
           </p:cNvPr>
-          <p:cNvSpPr txBox="1"/>
+          <p:cNvPicPr>
+            <a:picLocks noChangeAspect="1"/>
+          </p:cNvPicPr>
           <p:nvPr/>
-        </p:nvSpPr>
+        </p:nvPicPr>
+        <p:blipFill>
+          <a:blip r:embed="rId3"/>
+          <a:stretch>
+            <a:fillRect/>
+          </a:stretch>
+        </p:blipFill>
         <p:spPr>
           <a:xfrm>
-            <a:off x="149940" y="2279642"/>
-            <a:ext cx="1747594" cy="523220"/>
+            <a:off x="2840879" y="1487254"/>
+            <a:ext cx="2757950" cy="1864457"/>
           </a:xfrm>
           <a:prstGeom prst="rect">
             <a:avLst/>
           </a:prstGeom>
-          <a:noFill/>
         </p:spPr>
-        <p:txBody>
-          <a:bodyPr wrap="none" rtlCol="0">
-            <a:spAutoFit/>
-          </a:bodyPr>
-          <a:lstStyle/>
-          <a:p>
-            <a:pPr algn="l"/>
-            <a:r>
-              <a:rPr lang="en-US" dirty="0">
-                <a:latin typeface="Calibri" panose="020F0502020204030204" pitchFamily="34" charset="0"/>
-                <a:cs typeface="Calibri" panose="020F0502020204030204" pitchFamily="34" charset="0"/>
-              </a:rPr>
-              <a:t>Need to add</a:t>
-            </a:r>
-          </a:p>
-          <a:p>
-            <a:pPr algn="l"/>
-            <a:r>
-              <a:rPr lang="en-US" dirty="0">
-                <a:latin typeface="Calibri" panose="020F0502020204030204" pitchFamily="34" charset="0"/>
-                <a:cs typeface="Calibri" panose="020F0502020204030204" pitchFamily="34" charset="0"/>
-              </a:rPr>
-              <a:t>“Total pets by breed”</a:t>
-            </a:r>
-          </a:p>
-        </p:txBody>
-      </p:sp>
-      <p:sp>
-        <p:nvSpPr>
-          <p:cNvPr id="16" name="TextBox 15">
+      </p:pic>
+      <p:pic>
+        <p:nvPicPr>
+          <p:cNvPr id="7" name="Picture 6">
             <a:extLst>
               <a:ext uri="{FF2B5EF4-FFF2-40B4-BE49-F238E27FC236}">
-                <a16:creationId xmlns:a16="http://schemas.microsoft.com/office/drawing/2014/main" id="{71E308A2-B62D-4288-8C0F-A0ED91F5B8B6}"/>
+                <a16:creationId xmlns:a16="http://schemas.microsoft.com/office/drawing/2014/main" id="{C757ECDA-B378-4816-867B-DD6FD48D41E7}"/>
               </a:ext>
             </a:extLst>
           </p:cNvPr>
-          <p:cNvSpPr txBox="1"/>
+          <p:cNvPicPr>
+            <a:picLocks noChangeAspect="1"/>
+          </p:cNvPicPr>
           <p:nvPr/>
-        </p:nvSpPr>
+        </p:nvPicPr>
+        <p:blipFill>
+          <a:blip r:embed="rId4"/>
+          <a:stretch>
+            <a:fillRect/>
+          </a:stretch>
+        </p:blipFill>
         <p:spPr>
           <a:xfrm>
-            <a:off x="6388346" y="2213254"/>
-            <a:ext cx="2279196" cy="738664"/>
+            <a:off x="5812165" y="1443470"/>
+            <a:ext cx="3134155" cy="2005185"/>
           </a:xfrm>
           <a:prstGeom prst="rect">
             <a:avLst/>
           </a:prstGeom>
-          <a:noFill/>
         </p:spPr>
-        <p:txBody>
-          <a:bodyPr wrap="square" rtlCol="0">
-            <a:spAutoFit/>
-          </a:bodyPr>
-          <a:lstStyle/>
-          <a:p>
-            <a:pPr algn="l"/>
-            <a:r>
-              <a:rPr lang="en-US" dirty="0">
-                <a:latin typeface="Calibri" panose="020F0502020204030204" pitchFamily="34" charset="0"/>
-                <a:cs typeface="Calibri" panose="020F0502020204030204" pitchFamily="34" charset="0"/>
-              </a:rPr>
-              <a:t>Need to add</a:t>
-            </a:r>
-          </a:p>
-          <a:p>
-            <a:pPr algn="l"/>
-            <a:r>
-              <a:rPr lang="en-US" dirty="0">
-                <a:latin typeface="Calibri" panose="020F0502020204030204" pitchFamily="34" charset="0"/>
-                <a:cs typeface="Calibri" panose="020F0502020204030204" pitchFamily="34" charset="0"/>
-              </a:rPr>
-              <a:t>“Total cats &amp; dogs with and without photos</a:t>
-            </a:r>
-          </a:p>
-        </p:txBody>
-      </p:sp>
+      </p:pic>
+      <p:pic>
+        <p:nvPicPr>
+          <p:cNvPr id="17" name="Picture 16">
+            <a:extLst>
+              <a:ext uri="{FF2B5EF4-FFF2-40B4-BE49-F238E27FC236}">
+                <a16:creationId xmlns:a16="http://schemas.microsoft.com/office/drawing/2014/main" id="{6A3D838F-5BBB-4E73-BBF9-0E6A2CA27F79}"/>
+              </a:ext>
+            </a:extLst>
+          </p:cNvPr>
+          <p:cNvPicPr>
+            <a:picLocks noChangeAspect="1"/>
+          </p:cNvPicPr>
+          <p:nvPr/>
+        </p:nvPicPr>
+        <p:blipFill>
+          <a:blip r:embed="rId5"/>
+          <a:stretch>
+            <a:fillRect/>
+          </a:stretch>
+        </p:blipFill>
+        <p:spPr>
+          <a:xfrm>
+            <a:off x="52465" y="1357491"/>
+            <a:ext cx="2618831" cy="3035904"/>
+          </a:xfrm>
+          <a:prstGeom prst="rect">
+            <a:avLst/>
+          </a:prstGeom>
+        </p:spPr>
+      </p:pic>
     </p:spTree>
     <p:extLst>
       <p:ext uri="{BB962C8B-B14F-4D97-AF65-F5344CB8AC3E}">
@@ -10935,7 +10892,7 @@
                 <a:latin typeface="Calibri" panose="020F0502020204030204" pitchFamily="34" charset="0"/>
                 <a:cs typeface="Calibri" panose="020F0502020204030204" pitchFamily="34" charset="0"/>
               </a:rPr>
-              <a:t>Though it’s hard to read the feature names, this matrix illustrate that overall there is low correlation between the features, including the adoption speed. </a:t>
+              <a:t>Though it’s hard to read the feature names, this matrix illustrates that most correlations are in the range of 0 – 10%, but the occasional greener boxes show correlations that can run up to 50%</a:t>
             </a:r>
           </a:p>
         </p:txBody>
